--- a/Retrieval_Augmented_Generation_Presentation.pptx
+++ b/Retrieval_Augmented_Generation_Presentation.pptx
@@ -141,7 +141,7 @@
 <file path=ppt/revisionInfo.xml><?xml version="1.0" encoding="utf-8"?>
 <p1510:revInfo xmlns:a="http://schemas.openxmlformats.org/drawingml/2006/main" xmlns:r="http://schemas.openxmlformats.org/officeDocument/2006/relationships" xmlns:p1510="http://schemas.microsoft.com/office/powerpoint/2015/10/main">
   <p1510:revLst>
-    <p1510:client id="{8E07D85A-C682-4A9E-AC09-9DB155C9CDF9}" v="3" dt="2024-12-20T20:28:10.036"/>
+    <p1510:client id="{408A91F2-B5FA-4A96-8692-04E0BC29A9E3}" v="1" dt="2025-05-31T17:20:34.454"/>
   </p1510:revLst>
 </p1510:revInfo>
 </file>
@@ -161,14 +161,6 @@
           <pc:docMk/>
           <pc:sldMk cId="0" sldId="257"/>
         </pc:sldMkLst>
-        <pc:spChg chg="mod">
-          <ac:chgData name="Myers, Chelsea" userId="f282533b-c263-466c-86f9-3d67bd04ab31" providerId="ADAL" clId="{8E07D85A-C682-4A9E-AC09-9DB155C9CDF9}" dt="2024-12-20T19:39:12.402" v="6" actId="20577"/>
-          <ac:spMkLst>
-            <pc:docMk/>
-            <pc:sldMk cId="0" sldId="257"/>
-            <ac:spMk id="3" creationId="{00000000-0000-0000-0000-000000000000}"/>
-          </ac:spMkLst>
-        </pc:spChg>
       </pc:sldChg>
       <pc:sldChg chg="addSp delSp modSp mod modNotesTx">
         <pc:chgData name="Myers, Chelsea" userId="f282533b-c263-466c-86f9-3d67bd04ab31" providerId="ADAL" clId="{8E07D85A-C682-4A9E-AC09-9DB155C9CDF9}" dt="2024-12-20T20:21:45.983" v="247" actId="14100"/>
@@ -176,70 +168,6 @@
           <pc:docMk/>
           <pc:sldMk cId="0" sldId="258"/>
         </pc:sldMkLst>
-        <pc:spChg chg="mod">
-          <ac:chgData name="Myers, Chelsea" userId="f282533b-c263-466c-86f9-3d67bd04ab31" providerId="ADAL" clId="{8E07D85A-C682-4A9E-AC09-9DB155C9CDF9}" dt="2024-12-20T19:57:52.203" v="126" actId="26606"/>
-          <ac:spMkLst>
-            <pc:docMk/>
-            <pc:sldMk cId="0" sldId="258"/>
-            <ac:spMk id="2" creationId="{00000000-0000-0000-0000-000000000000}"/>
-          </ac:spMkLst>
-        </pc:spChg>
-        <pc:spChg chg="mod">
-          <ac:chgData name="Myers, Chelsea" userId="f282533b-c263-466c-86f9-3d67bd04ab31" providerId="ADAL" clId="{8E07D85A-C682-4A9E-AC09-9DB155C9CDF9}" dt="2024-12-20T20:21:45.983" v="247" actId="14100"/>
-          <ac:spMkLst>
-            <pc:docMk/>
-            <pc:sldMk cId="0" sldId="258"/>
-            <ac:spMk id="3" creationId="{00000000-0000-0000-0000-000000000000}"/>
-          </ac:spMkLst>
-        </pc:spChg>
-        <pc:spChg chg="del">
-          <ac:chgData name="Myers, Chelsea" userId="f282533b-c263-466c-86f9-3d67bd04ab31" providerId="ADAL" clId="{8E07D85A-C682-4A9E-AC09-9DB155C9CDF9}" dt="2024-12-20T19:57:52.203" v="126" actId="26606"/>
-          <ac:spMkLst>
-            <pc:docMk/>
-            <pc:sldMk cId="0" sldId="258"/>
-            <ac:spMk id="18" creationId="{9F7D5CDA-D291-4307-BF55-1381FED29634}"/>
-          </ac:spMkLst>
-        </pc:spChg>
-        <pc:spChg chg="add">
-          <ac:chgData name="Myers, Chelsea" userId="f282533b-c263-466c-86f9-3d67bd04ab31" providerId="ADAL" clId="{8E07D85A-C682-4A9E-AC09-9DB155C9CDF9}" dt="2024-12-20T19:57:52.203" v="126" actId="26606"/>
-          <ac:spMkLst>
-            <pc:docMk/>
-            <pc:sldMk cId="0" sldId="258"/>
-            <ac:spMk id="24" creationId="{9F7D5CDA-D291-4307-BF55-1381FED29634}"/>
-          </ac:spMkLst>
-        </pc:spChg>
-        <pc:spChg chg="add">
-          <ac:chgData name="Myers, Chelsea" userId="f282533b-c263-466c-86f9-3d67bd04ab31" providerId="ADAL" clId="{8E07D85A-C682-4A9E-AC09-9DB155C9CDF9}" dt="2024-12-20T19:57:52.203" v="126" actId="26606"/>
-          <ac:spMkLst>
-            <pc:docMk/>
-            <pc:sldMk cId="0" sldId="258"/>
-            <ac:spMk id="26" creationId="{59B296B9-C5A5-4E4F-9B60-C907B5F1466C}"/>
-          </ac:spMkLst>
-        </pc:spChg>
-        <pc:spChg chg="add">
-          <ac:chgData name="Myers, Chelsea" userId="f282533b-c263-466c-86f9-3d67bd04ab31" providerId="ADAL" clId="{8E07D85A-C682-4A9E-AC09-9DB155C9CDF9}" dt="2024-12-20T19:57:52.203" v="126" actId="26606"/>
-          <ac:spMkLst>
-            <pc:docMk/>
-            <pc:sldMk cId="0" sldId="258"/>
-            <ac:spMk id="28" creationId="{D0300FD3-5AF1-6305-15FA-9078072672E2}"/>
-          </ac:spMkLst>
-        </pc:spChg>
-        <pc:picChg chg="del">
-          <ac:chgData name="Myers, Chelsea" userId="f282533b-c263-466c-86f9-3d67bd04ab31" providerId="ADAL" clId="{8E07D85A-C682-4A9E-AC09-9DB155C9CDF9}" dt="2024-12-20T19:57:11.067" v="125" actId="21"/>
-          <ac:picMkLst>
-            <pc:docMk/>
-            <pc:sldMk cId="0" sldId="258"/>
-            <ac:picMk id="5" creationId="{8B97E9EF-8816-FFB1-A68F-B8EBDDA5947C}"/>
-          </ac:picMkLst>
-        </pc:picChg>
-        <pc:picChg chg="add">
-          <ac:chgData name="Myers, Chelsea" userId="f282533b-c263-466c-86f9-3d67bd04ab31" providerId="ADAL" clId="{8E07D85A-C682-4A9E-AC09-9DB155C9CDF9}" dt="2024-12-20T19:57:52.203" v="126" actId="26606"/>
-          <ac:picMkLst>
-            <pc:docMk/>
-            <pc:sldMk cId="0" sldId="258"/>
-            <ac:picMk id="20" creationId="{BD364C0F-2437-7285-CB31-F6FFE0741749}"/>
-          </ac:picMkLst>
-        </pc:picChg>
       </pc:sldChg>
       <pc:sldChg chg="modSp mod modNotesTx">
         <pc:chgData name="Myers, Chelsea" userId="f282533b-c263-466c-86f9-3d67bd04ab31" providerId="ADAL" clId="{8E07D85A-C682-4A9E-AC09-9DB155C9CDF9}" dt="2024-12-20T20:23:31.493" v="323" actId="1076"/>
@@ -247,22 +175,6 @@
           <pc:docMk/>
           <pc:sldMk cId="0" sldId="259"/>
         </pc:sldMkLst>
-        <pc:spChg chg="mod">
-          <ac:chgData name="Myers, Chelsea" userId="f282533b-c263-466c-86f9-3d67bd04ab31" providerId="ADAL" clId="{8E07D85A-C682-4A9E-AC09-9DB155C9CDF9}" dt="2024-12-20T19:40:57.151" v="28" actId="20577"/>
-          <ac:spMkLst>
-            <pc:docMk/>
-            <pc:sldMk cId="0" sldId="259"/>
-            <ac:spMk id="2" creationId="{00000000-0000-0000-0000-000000000000}"/>
-          </ac:spMkLst>
-        </pc:spChg>
-        <pc:spChg chg="mod">
-          <ac:chgData name="Myers, Chelsea" userId="f282533b-c263-466c-86f9-3d67bd04ab31" providerId="ADAL" clId="{8E07D85A-C682-4A9E-AC09-9DB155C9CDF9}" dt="2024-12-20T20:23:31.493" v="323" actId="1076"/>
-          <ac:spMkLst>
-            <pc:docMk/>
-            <pc:sldMk cId="0" sldId="259"/>
-            <ac:spMk id="3" creationId="{00000000-0000-0000-0000-000000000000}"/>
-          </ac:spMkLst>
-        </pc:spChg>
       </pc:sldChg>
       <pc:sldChg chg="modSp mod modNotesTx">
         <pc:chgData name="Myers, Chelsea" userId="f282533b-c263-466c-86f9-3d67bd04ab31" providerId="ADAL" clId="{8E07D85A-C682-4A9E-AC09-9DB155C9CDF9}" dt="2024-12-20T20:25:07.264" v="345" actId="255"/>
@@ -270,22 +182,6 @@
           <pc:docMk/>
           <pc:sldMk cId="0" sldId="260"/>
         </pc:sldMkLst>
-        <pc:spChg chg="mod">
-          <ac:chgData name="Myers, Chelsea" userId="f282533b-c263-466c-86f9-3d67bd04ab31" providerId="ADAL" clId="{8E07D85A-C682-4A9E-AC09-9DB155C9CDF9}" dt="2024-12-20T20:25:07.264" v="345" actId="255"/>
-          <ac:spMkLst>
-            <pc:docMk/>
-            <pc:sldMk cId="0" sldId="260"/>
-            <ac:spMk id="2" creationId="{00000000-0000-0000-0000-000000000000}"/>
-          </ac:spMkLst>
-        </pc:spChg>
-        <pc:spChg chg="mod">
-          <ac:chgData name="Myers, Chelsea" userId="f282533b-c263-466c-86f9-3d67bd04ab31" providerId="ADAL" clId="{8E07D85A-C682-4A9E-AC09-9DB155C9CDF9}" dt="2024-12-20T19:49:19.210" v="67" actId="20577"/>
-          <ac:spMkLst>
-            <pc:docMk/>
-            <pc:sldMk cId="0" sldId="260"/>
-            <ac:spMk id="3" creationId="{00000000-0000-0000-0000-000000000000}"/>
-          </ac:spMkLst>
-        </pc:spChg>
       </pc:sldChg>
       <pc:sldChg chg="modSp mod modNotesTx">
         <pc:chgData name="Myers, Chelsea" userId="f282533b-c263-466c-86f9-3d67bd04ab31" providerId="ADAL" clId="{8E07D85A-C682-4A9E-AC09-9DB155C9CDF9}" dt="2024-12-20T20:36:00.556" v="539" actId="255"/>
@@ -293,22 +189,6 @@
           <pc:docMk/>
           <pc:sldMk cId="0" sldId="262"/>
         </pc:sldMkLst>
-        <pc:spChg chg="mod">
-          <ac:chgData name="Myers, Chelsea" userId="f282533b-c263-466c-86f9-3d67bd04ab31" providerId="ADAL" clId="{8E07D85A-C682-4A9E-AC09-9DB155C9CDF9}" dt="2024-12-20T20:36:00.556" v="539" actId="255"/>
-          <ac:spMkLst>
-            <pc:docMk/>
-            <pc:sldMk cId="0" sldId="262"/>
-            <ac:spMk id="2" creationId="{00000000-0000-0000-0000-000000000000}"/>
-          </ac:spMkLst>
-        </pc:spChg>
-        <pc:spChg chg="mod">
-          <ac:chgData name="Myers, Chelsea" userId="f282533b-c263-466c-86f9-3d67bd04ab31" providerId="ADAL" clId="{8E07D85A-C682-4A9E-AC09-9DB155C9CDF9}" dt="2024-12-20T19:53:16.997" v="79" actId="20577"/>
-          <ac:spMkLst>
-            <pc:docMk/>
-            <pc:sldMk cId="0" sldId="262"/>
-            <ac:spMk id="3" creationId="{00000000-0000-0000-0000-000000000000}"/>
-          </ac:spMkLst>
-        </pc:spChg>
       </pc:sldChg>
       <pc:sldChg chg="modSp mod modNotesTx">
         <pc:chgData name="Myers, Chelsea" userId="f282533b-c263-466c-86f9-3d67bd04ab31" providerId="ADAL" clId="{8E07D85A-C682-4A9E-AC09-9DB155C9CDF9}" dt="2024-12-20T20:34:56.368" v="535" actId="1076"/>
@@ -316,22 +196,6 @@
           <pc:docMk/>
           <pc:sldMk cId="0" sldId="263"/>
         </pc:sldMkLst>
-        <pc:spChg chg="mod">
-          <ac:chgData name="Myers, Chelsea" userId="f282533b-c263-466c-86f9-3d67bd04ab31" providerId="ADAL" clId="{8E07D85A-C682-4A9E-AC09-9DB155C9CDF9}" dt="2024-12-20T20:34:49.043" v="534" actId="255"/>
-          <ac:spMkLst>
-            <pc:docMk/>
-            <pc:sldMk cId="0" sldId="263"/>
-            <ac:spMk id="2" creationId="{00000000-0000-0000-0000-000000000000}"/>
-          </ac:spMkLst>
-        </pc:spChg>
-        <pc:spChg chg="mod">
-          <ac:chgData name="Myers, Chelsea" userId="f282533b-c263-466c-86f9-3d67bd04ab31" providerId="ADAL" clId="{8E07D85A-C682-4A9E-AC09-9DB155C9CDF9}" dt="2024-12-20T20:34:56.368" v="535" actId="1076"/>
-          <ac:spMkLst>
-            <pc:docMk/>
-            <pc:sldMk cId="0" sldId="263"/>
-            <ac:spMk id="3" creationId="{00000000-0000-0000-0000-000000000000}"/>
-          </ac:spMkLst>
-        </pc:spChg>
       </pc:sldChg>
       <pc:sldChg chg="addSp delSp modSp add mod modNotesTx">
         <pc:chgData name="Myers, Chelsea" userId="f282533b-c263-466c-86f9-3d67bd04ab31" providerId="ADAL" clId="{8E07D85A-C682-4A9E-AC09-9DB155C9CDF9}" dt="2024-12-20T20:36:26.201" v="548" actId="255"/>
@@ -339,70 +203,6 @@
           <pc:docMk/>
           <pc:sldMk cId="2138871945" sldId="264"/>
         </pc:sldMkLst>
-        <pc:spChg chg="mod">
-          <ac:chgData name="Myers, Chelsea" userId="f282533b-c263-466c-86f9-3d67bd04ab31" providerId="ADAL" clId="{8E07D85A-C682-4A9E-AC09-9DB155C9CDF9}" dt="2024-12-20T20:35:44.568" v="538" actId="26606"/>
-          <ac:spMkLst>
-            <pc:docMk/>
-            <pc:sldMk cId="2138871945" sldId="264"/>
-            <ac:spMk id="2" creationId="{54F0BC00-710E-F723-EA82-0A2CA7F2EFE5}"/>
-          </ac:spMkLst>
-        </pc:spChg>
-        <pc:spChg chg="mod">
-          <ac:chgData name="Myers, Chelsea" userId="f282533b-c263-466c-86f9-3d67bd04ab31" providerId="ADAL" clId="{8E07D85A-C682-4A9E-AC09-9DB155C9CDF9}" dt="2024-12-20T20:36:26.201" v="548" actId="255"/>
-          <ac:spMkLst>
-            <pc:docMk/>
-            <pc:sldMk cId="2138871945" sldId="264"/>
-            <ac:spMk id="3" creationId="{59794141-69E0-23B7-5594-2E291EAC7A11}"/>
-          </ac:spMkLst>
-        </pc:spChg>
-        <pc:spChg chg="add">
-          <ac:chgData name="Myers, Chelsea" userId="f282533b-c263-466c-86f9-3d67bd04ab31" providerId="ADAL" clId="{8E07D85A-C682-4A9E-AC09-9DB155C9CDF9}" dt="2024-12-20T20:35:44.568" v="538" actId="26606"/>
-          <ac:spMkLst>
-            <pc:docMk/>
-            <pc:sldMk cId="2138871945" sldId="264"/>
-            <ac:spMk id="22" creationId="{C0763A76-9F1C-4FC5-82B7-DD475DA461B2}"/>
-          </ac:spMkLst>
-        </pc:spChg>
-        <pc:spChg chg="add">
-          <ac:chgData name="Myers, Chelsea" userId="f282533b-c263-466c-86f9-3d67bd04ab31" providerId="ADAL" clId="{8E07D85A-C682-4A9E-AC09-9DB155C9CDF9}" dt="2024-12-20T20:35:44.568" v="538" actId="26606"/>
-          <ac:spMkLst>
-            <pc:docMk/>
-            <pc:sldMk cId="2138871945" sldId="264"/>
-            <ac:spMk id="24" creationId="{E81BF4F6-F2CF-4984-9D14-D6966D92F99F}"/>
-          </ac:spMkLst>
-        </pc:spChg>
-        <pc:grpChg chg="del">
-          <ac:chgData name="Myers, Chelsea" userId="f282533b-c263-466c-86f9-3d67bd04ab31" providerId="ADAL" clId="{8E07D85A-C682-4A9E-AC09-9DB155C9CDF9}" dt="2024-12-20T20:35:34.324" v="537" actId="26606"/>
-          <ac:grpSpMkLst>
-            <pc:docMk/>
-            <pc:sldMk cId="2138871945" sldId="264"/>
-            <ac:grpSpMk id="9" creationId="{1D95F8AC-1A3E-EF71-9FA4-BD0F6224CB15}"/>
-          </ac:grpSpMkLst>
-        </pc:grpChg>
-        <pc:picChg chg="del">
-          <ac:chgData name="Myers, Chelsea" userId="f282533b-c263-466c-86f9-3d67bd04ab31" providerId="ADAL" clId="{8E07D85A-C682-4A9E-AC09-9DB155C9CDF9}" dt="2024-12-20T20:35:09.004" v="536" actId="478"/>
-          <ac:picMkLst>
-            <pc:docMk/>
-            <pc:sldMk cId="2138871945" sldId="264"/>
-            <ac:picMk id="5" creationId="{61D54FF4-3662-4EA3-BE31-FCCC02320905}"/>
-          </ac:picMkLst>
-        </pc:picChg>
-        <pc:picChg chg="add mod">
-          <ac:chgData name="Myers, Chelsea" userId="f282533b-c263-466c-86f9-3d67bd04ab31" providerId="ADAL" clId="{8E07D85A-C682-4A9E-AC09-9DB155C9CDF9}" dt="2024-12-20T20:35:44.568" v="538" actId="26606"/>
-          <ac:picMkLst>
-            <pc:docMk/>
-            <pc:sldMk cId="2138871945" sldId="264"/>
-            <ac:picMk id="13" creationId="{F1EA1A67-A30B-AA0D-4FE8-083E146126E5}"/>
-          </ac:picMkLst>
-        </pc:picChg>
-        <pc:cxnChg chg="add del">
-          <ac:chgData name="Myers, Chelsea" userId="f282533b-c263-466c-86f9-3d67bd04ab31" providerId="ADAL" clId="{8E07D85A-C682-4A9E-AC09-9DB155C9CDF9}" dt="2024-12-20T20:35:44.568" v="538" actId="26606"/>
-          <ac:cxnSpMkLst>
-            <pc:docMk/>
-            <pc:sldMk cId="2138871945" sldId="264"/>
-            <ac:cxnSpMk id="17" creationId="{1503BFE4-729B-D9D0-C17B-501E6AF1127A}"/>
-          </ac:cxnSpMkLst>
-        </pc:cxnChg>
       </pc:sldChg>
       <pc:sldChg chg="addSp delSp modSp add mod modNotesTx">
         <pc:chgData name="Myers, Chelsea" userId="f282533b-c263-466c-86f9-3d67bd04ab31" providerId="ADAL" clId="{8E07D85A-C682-4A9E-AC09-9DB155C9CDF9}" dt="2024-12-20T20:37:05.376" v="557" actId="255"/>
@@ -410,62 +210,6 @@
           <pc:docMk/>
           <pc:sldMk cId="3700440609" sldId="265"/>
         </pc:sldMkLst>
-        <pc:spChg chg="mod">
-          <ac:chgData name="Myers, Chelsea" userId="f282533b-c263-466c-86f9-3d67bd04ab31" providerId="ADAL" clId="{8E07D85A-C682-4A9E-AC09-9DB155C9CDF9}" dt="2024-12-20T20:36:57.467" v="556" actId="26606"/>
-          <ac:spMkLst>
-            <pc:docMk/>
-            <pc:sldMk cId="3700440609" sldId="265"/>
-            <ac:spMk id="2" creationId="{EF2B573E-A5AA-0BB9-6CB3-0319AB8A0BF5}"/>
-          </ac:spMkLst>
-        </pc:spChg>
-        <pc:spChg chg="mod">
-          <ac:chgData name="Myers, Chelsea" userId="f282533b-c263-466c-86f9-3d67bd04ab31" providerId="ADAL" clId="{8E07D85A-C682-4A9E-AC09-9DB155C9CDF9}" dt="2024-12-20T20:37:05.376" v="557" actId="255"/>
-          <ac:spMkLst>
-            <pc:docMk/>
-            <pc:sldMk cId="3700440609" sldId="265"/>
-            <ac:spMk id="3" creationId="{B77284A2-09A7-0167-B203-821223B0B497}"/>
-          </ac:spMkLst>
-        </pc:spChg>
-        <pc:spChg chg="add">
-          <ac:chgData name="Myers, Chelsea" userId="f282533b-c263-466c-86f9-3d67bd04ab31" providerId="ADAL" clId="{8E07D85A-C682-4A9E-AC09-9DB155C9CDF9}" dt="2024-12-20T20:36:57.467" v="556" actId="26606"/>
-          <ac:spMkLst>
-            <pc:docMk/>
-            <pc:sldMk cId="3700440609" sldId="265"/>
-            <ac:spMk id="17" creationId="{C0763A76-9F1C-4FC5-82B7-DD475DA461B2}"/>
-          </ac:spMkLst>
-        </pc:spChg>
-        <pc:spChg chg="add">
-          <ac:chgData name="Myers, Chelsea" userId="f282533b-c263-466c-86f9-3d67bd04ab31" providerId="ADAL" clId="{8E07D85A-C682-4A9E-AC09-9DB155C9CDF9}" dt="2024-12-20T20:36:57.467" v="556" actId="26606"/>
-          <ac:spMkLst>
-            <pc:docMk/>
-            <pc:sldMk cId="3700440609" sldId="265"/>
-            <ac:spMk id="19" creationId="{E81BF4F6-F2CF-4984-9D14-D6966D92F99F}"/>
-          </ac:spMkLst>
-        </pc:spChg>
-        <pc:grpChg chg="del">
-          <ac:chgData name="Myers, Chelsea" userId="f282533b-c263-466c-86f9-3d67bd04ab31" providerId="ADAL" clId="{8E07D85A-C682-4A9E-AC09-9DB155C9CDF9}" dt="2024-12-20T20:36:57.467" v="556" actId="26606"/>
-          <ac:grpSpMkLst>
-            <pc:docMk/>
-            <pc:sldMk cId="3700440609" sldId="265"/>
-            <ac:grpSpMk id="9" creationId="{02B0A47F-7208-0AD4-1FA3-11D55F7003C7}"/>
-          </ac:grpSpMkLst>
-        </pc:grpChg>
-        <pc:picChg chg="del">
-          <ac:chgData name="Myers, Chelsea" userId="f282533b-c263-466c-86f9-3d67bd04ab31" providerId="ADAL" clId="{8E07D85A-C682-4A9E-AC09-9DB155C9CDF9}" dt="2024-12-20T20:36:37.959" v="549" actId="478"/>
-          <ac:picMkLst>
-            <pc:docMk/>
-            <pc:sldMk cId="3700440609" sldId="265"/>
-            <ac:picMk id="5" creationId="{64067484-33C9-2FC2-83B1-5132292DB509}"/>
-          </ac:picMkLst>
-        </pc:picChg>
-        <pc:picChg chg="add">
-          <ac:chgData name="Myers, Chelsea" userId="f282533b-c263-466c-86f9-3d67bd04ab31" providerId="ADAL" clId="{8E07D85A-C682-4A9E-AC09-9DB155C9CDF9}" dt="2024-12-20T20:36:57.467" v="556" actId="26606"/>
-          <ac:picMkLst>
-            <pc:docMk/>
-            <pc:sldMk cId="3700440609" sldId="265"/>
-            <ac:picMk id="13" creationId="{CE07EDD8-FB48-BC17-12D7-C0357FCE04A6}"/>
-          </ac:picMkLst>
-        </pc:picChg>
       </pc:sldChg>
       <pc:sldChg chg="addSp delSp modSp new mod">
         <pc:chgData name="Myers, Chelsea" userId="f282533b-c263-466c-86f9-3d67bd04ab31" providerId="ADAL" clId="{8E07D85A-C682-4A9E-AC09-9DB155C9CDF9}" dt="2024-12-20T20:23:04.792" v="322" actId="1076"/>
@@ -473,38 +217,6 @@
           <pc:docMk/>
           <pc:sldMk cId="449830461" sldId="266"/>
         </pc:sldMkLst>
-        <pc:spChg chg="mod">
-          <ac:chgData name="Myers, Chelsea" userId="f282533b-c263-466c-86f9-3d67bd04ab31" providerId="ADAL" clId="{8E07D85A-C682-4A9E-AC09-9DB155C9CDF9}" dt="2024-12-20T20:22:21.284" v="301" actId="20577"/>
-          <ac:spMkLst>
-            <pc:docMk/>
-            <pc:sldMk cId="449830461" sldId="266"/>
-            <ac:spMk id="2" creationId="{A68AF749-A675-60C8-2CFB-790E9E4BA3A2}"/>
-          </ac:spMkLst>
-        </pc:spChg>
-        <pc:spChg chg="del">
-          <ac:chgData name="Myers, Chelsea" userId="f282533b-c263-466c-86f9-3d67bd04ab31" providerId="ADAL" clId="{8E07D85A-C682-4A9E-AC09-9DB155C9CDF9}" dt="2024-12-20T20:19:49.755" v="133" actId="22"/>
-          <ac:spMkLst>
-            <pc:docMk/>
-            <pc:sldMk cId="449830461" sldId="266"/>
-            <ac:spMk id="3" creationId="{3804A98C-FCDB-9923-F299-149F4125B09A}"/>
-          </ac:spMkLst>
-        </pc:spChg>
-        <pc:spChg chg="add mod">
-          <ac:chgData name="Myers, Chelsea" userId="f282533b-c263-466c-86f9-3d67bd04ab31" providerId="ADAL" clId="{8E07D85A-C682-4A9E-AC09-9DB155C9CDF9}" dt="2024-12-20T20:23:04.792" v="322" actId="1076"/>
-          <ac:spMkLst>
-            <pc:docMk/>
-            <pc:sldMk cId="449830461" sldId="266"/>
-            <ac:spMk id="6" creationId="{9C47A601-C5C6-4190-6344-70FDD2D1BB59}"/>
-          </ac:spMkLst>
-        </pc:spChg>
-        <pc:picChg chg="add mod ord">
-          <ac:chgData name="Myers, Chelsea" userId="f282533b-c263-466c-86f9-3d67bd04ab31" providerId="ADAL" clId="{8E07D85A-C682-4A9E-AC09-9DB155C9CDF9}" dt="2024-12-20T20:19:49.755" v="133" actId="22"/>
-          <ac:picMkLst>
-            <pc:docMk/>
-            <pc:sldMk cId="449830461" sldId="266"/>
-            <ac:picMk id="5" creationId="{68561E72-B66D-12EA-1377-B6174429D418}"/>
-          </ac:picMkLst>
-        </pc:picChg>
       </pc:sldChg>
       <pc:sldChg chg="delSp add del mod">
         <pc:chgData name="Myers, Chelsea" userId="f282533b-c263-466c-86f9-3d67bd04ab31" providerId="ADAL" clId="{8E07D85A-C682-4A9E-AC09-9DB155C9CDF9}" dt="2024-12-20T20:18:24.572" v="131" actId="47"/>
@@ -512,14 +224,6 @@
           <pc:docMk/>
           <pc:sldMk cId="2139200285" sldId="266"/>
         </pc:sldMkLst>
-        <pc:picChg chg="del">
-          <ac:chgData name="Myers, Chelsea" userId="f282533b-c263-466c-86f9-3d67bd04ab31" providerId="ADAL" clId="{8E07D85A-C682-4A9E-AC09-9DB155C9CDF9}" dt="2024-12-20T20:18:21.788" v="130" actId="478"/>
-          <ac:picMkLst>
-            <pc:docMk/>
-            <pc:sldMk cId="2139200285" sldId="266"/>
-            <ac:picMk id="20" creationId="{6BD64A94-1D14-3068-2B3D-F8733DA02C04}"/>
-          </ac:picMkLst>
-        </pc:picChg>
       </pc:sldChg>
       <pc:sldChg chg="addSp delSp modSp add mod ord modNotesTx">
         <pc:chgData name="Myers, Chelsea" userId="f282533b-c263-466c-86f9-3d67bd04ab31" providerId="ADAL" clId="{8E07D85A-C682-4A9E-AC09-9DB155C9CDF9}" dt="2024-12-20T20:28:27.014" v="381"/>
@@ -527,38 +231,6 @@
           <pc:docMk/>
           <pc:sldMk cId="2410568824" sldId="267"/>
         </pc:sldMkLst>
-        <pc:spChg chg="mod">
-          <ac:chgData name="Myers, Chelsea" userId="f282533b-c263-466c-86f9-3d67bd04ab31" providerId="ADAL" clId="{8E07D85A-C682-4A9E-AC09-9DB155C9CDF9}" dt="2024-12-20T20:26:05.775" v="371" actId="20577"/>
-          <ac:spMkLst>
-            <pc:docMk/>
-            <pc:sldMk cId="2410568824" sldId="267"/>
-            <ac:spMk id="2" creationId="{C973D8D4-DA9E-85CE-CCF6-AB5650EC821A}"/>
-          </ac:spMkLst>
-        </pc:spChg>
-        <pc:spChg chg="add del mod">
-          <ac:chgData name="Myers, Chelsea" userId="f282533b-c263-466c-86f9-3d67bd04ab31" providerId="ADAL" clId="{8E07D85A-C682-4A9E-AC09-9DB155C9CDF9}" dt="2024-12-20T20:24:44.345" v="344" actId="22"/>
-          <ac:spMkLst>
-            <pc:docMk/>
-            <pc:sldMk cId="2410568824" sldId="267"/>
-            <ac:spMk id="4" creationId="{41714629-3A1C-7832-903B-43332D0E8E05}"/>
-          </ac:spMkLst>
-        </pc:spChg>
-        <pc:picChg chg="del">
-          <ac:chgData name="Myers, Chelsea" userId="f282533b-c263-466c-86f9-3d67bd04ab31" providerId="ADAL" clId="{8E07D85A-C682-4A9E-AC09-9DB155C9CDF9}" dt="2024-12-20T20:24:41.966" v="343" actId="478"/>
-          <ac:picMkLst>
-            <pc:docMk/>
-            <pc:sldMk cId="2410568824" sldId="267"/>
-            <ac:picMk id="5" creationId="{5356DBA4-DF2F-1E18-C6B4-EA45B477335F}"/>
-          </ac:picMkLst>
-        </pc:picChg>
-        <pc:picChg chg="add mod ord">
-          <ac:chgData name="Myers, Chelsea" userId="f282533b-c263-466c-86f9-3d67bd04ab31" providerId="ADAL" clId="{8E07D85A-C682-4A9E-AC09-9DB155C9CDF9}" dt="2024-12-20T20:24:44.345" v="344" actId="22"/>
-          <ac:picMkLst>
-            <pc:docMk/>
-            <pc:sldMk cId="2410568824" sldId="267"/>
-            <ac:picMk id="8" creationId="{7BE4AA5C-1A11-FD1E-AEC4-FB1140F7A9E4}"/>
-          </ac:picMkLst>
-        </pc:picChg>
       </pc:sldChg>
       <pc:sldChg chg="addSp delSp modSp add mod ord modNotesTx">
         <pc:chgData name="Myers, Chelsea" userId="f282533b-c263-466c-86f9-3d67bd04ab31" providerId="ADAL" clId="{8E07D85A-C682-4A9E-AC09-9DB155C9CDF9}" dt="2024-12-20T20:31:02.789" v="423"/>
@@ -566,38 +238,6 @@
           <pc:docMk/>
           <pc:sldMk cId="37961247" sldId="268"/>
         </pc:sldMkLst>
-        <pc:spChg chg="mod">
-          <ac:chgData name="Myers, Chelsea" userId="f282533b-c263-466c-86f9-3d67bd04ab31" providerId="ADAL" clId="{8E07D85A-C682-4A9E-AC09-9DB155C9CDF9}" dt="2024-12-20T20:30:22.304" v="422" actId="20577"/>
-          <ac:spMkLst>
-            <pc:docMk/>
-            <pc:sldMk cId="37961247" sldId="268"/>
-            <ac:spMk id="2" creationId="{512A4DB9-8FB3-CB94-7496-D9783108DA7F}"/>
-          </ac:spMkLst>
-        </pc:spChg>
-        <pc:spChg chg="add mod">
-          <ac:chgData name="Myers, Chelsea" userId="f282533b-c263-466c-86f9-3d67bd04ab31" providerId="ADAL" clId="{8E07D85A-C682-4A9E-AC09-9DB155C9CDF9}" dt="2024-12-20T20:29:54.276" v="385" actId="478"/>
-          <ac:spMkLst>
-            <pc:docMk/>
-            <pc:sldMk cId="37961247" sldId="268"/>
-            <ac:spMk id="4" creationId="{B8DA4666-BFA2-0FE6-A45A-E17144EA3CA0}"/>
-          </ac:spMkLst>
-        </pc:spChg>
-        <pc:picChg chg="add mod">
-          <ac:chgData name="Myers, Chelsea" userId="f282533b-c263-466c-86f9-3d67bd04ab31" providerId="ADAL" clId="{8E07D85A-C682-4A9E-AC09-9DB155C9CDF9}" dt="2024-12-20T20:30:05.808" v="388" actId="14100"/>
-          <ac:picMkLst>
-            <pc:docMk/>
-            <pc:sldMk cId="37961247" sldId="268"/>
-            <ac:picMk id="7" creationId="{F9006806-5073-350E-DB2C-45C155AB6D9B}"/>
-          </ac:picMkLst>
-        </pc:picChg>
-        <pc:picChg chg="del">
-          <ac:chgData name="Myers, Chelsea" userId="f282533b-c263-466c-86f9-3d67bd04ab31" providerId="ADAL" clId="{8E07D85A-C682-4A9E-AC09-9DB155C9CDF9}" dt="2024-12-20T20:29:54.276" v="385" actId="478"/>
-          <ac:picMkLst>
-            <pc:docMk/>
-            <pc:sldMk cId="37961247" sldId="268"/>
-            <ac:picMk id="8" creationId="{D7FE5B35-5914-E2AF-015B-E135E7862F59}"/>
-          </ac:picMkLst>
-        </pc:picChg>
       </pc:sldChg>
       <pc:sldChg chg="addSp delSp modSp add mod modNotesTx">
         <pc:chgData name="Myers, Chelsea" userId="f282533b-c263-466c-86f9-3d67bd04ab31" providerId="ADAL" clId="{8E07D85A-C682-4A9E-AC09-9DB155C9CDF9}" dt="2024-12-20T20:32:49.108" v="469" actId="20577"/>
@@ -605,38 +245,30 @@
           <pc:docMk/>
           <pc:sldMk cId="677064844" sldId="269"/>
         </pc:sldMkLst>
+      </pc:sldChg>
+    </pc:docChg>
+  </pc:docChgLst>
+  <pc:docChgLst>
+    <pc:chgData name="Myers, Chelsea" userId="f282533b-c263-466c-86f9-3d67bd04ab31" providerId="ADAL" clId="{408A91F2-B5FA-4A96-8692-04E0BC29A9E3}"/>
+    <pc:docChg chg="modSld">
+      <pc:chgData name="Myers, Chelsea" userId="f282533b-c263-466c-86f9-3d67bd04ab31" providerId="ADAL" clId="{408A91F2-B5FA-4A96-8692-04E0BC29A9E3}" dt="2025-05-31T17:20:34.450" v="0" actId="20577"/>
+      <pc:docMkLst>
+        <pc:docMk/>
+      </pc:docMkLst>
+      <pc:sldChg chg="modSp modAnim">
+        <pc:chgData name="Myers, Chelsea" userId="f282533b-c263-466c-86f9-3d67bd04ab31" providerId="ADAL" clId="{408A91F2-B5FA-4A96-8692-04E0BC29A9E3}" dt="2025-05-31T17:20:34.450" v="0" actId="20577"/>
+        <pc:sldMkLst>
+          <pc:docMk/>
+          <pc:sldMk cId="0" sldId="256"/>
+        </pc:sldMkLst>
         <pc:spChg chg="mod">
-          <ac:chgData name="Myers, Chelsea" userId="f282533b-c263-466c-86f9-3d67bd04ab31" providerId="ADAL" clId="{8E07D85A-C682-4A9E-AC09-9DB155C9CDF9}" dt="2024-12-20T20:31:48.143" v="461" actId="20577"/>
+          <ac:chgData name="Myers, Chelsea" userId="f282533b-c263-466c-86f9-3d67bd04ab31" providerId="ADAL" clId="{408A91F2-B5FA-4A96-8692-04E0BC29A9E3}" dt="2025-05-31T17:20:34.450" v="0" actId="20577"/>
           <ac:spMkLst>
             <pc:docMk/>
-            <pc:sldMk cId="677064844" sldId="269"/>
-            <ac:spMk id="2" creationId="{A365CDB2-6ECA-B46F-0F31-6DBE5DE5828D}"/>
+            <pc:sldMk cId="0" sldId="256"/>
+            <ac:spMk id="3" creationId="{00000000-0000-0000-0000-000000000000}"/>
           </ac:spMkLst>
         </pc:spChg>
-        <pc:spChg chg="del">
-          <ac:chgData name="Myers, Chelsea" userId="f282533b-c263-466c-86f9-3d67bd04ab31" providerId="ADAL" clId="{8E07D85A-C682-4A9E-AC09-9DB155C9CDF9}" dt="2024-12-20T20:31:53.308" v="463" actId="22"/>
-          <ac:spMkLst>
-            <pc:docMk/>
-            <pc:sldMk cId="677064844" sldId="269"/>
-            <ac:spMk id="4" creationId="{F2355EC3-B46D-8803-323E-C37FCBE414CD}"/>
-          </ac:spMkLst>
-        </pc:spChg>
-        <pc:picChg chg="add mod ord">
-          <ac:chgData name="Myers, Chelsea" userId="f282533b-c263-466c-86f9-3d67bd04ab31" providerId="ADAL" clId="{8E07D85A-C682-4A9E-AC09-9DB155C9CDF9}" dt="2024-12-20T20:31:53.308" v="463" actId="22"/>
-          <ac:picMkLst>
-            <pc:docMk/>
-            <pc:sldMk cId="677064844" sldId="269"/>
-            <ac:picMk id="5" creationId="{49DB91BF-A304-B498-DC19-82AA52540950}"/>
-          </ac:picMkLst>
-        </pc:picChg>
-        <pc:picChg chg="del">
-          <ac:chgData name="Myers, Chelsea" userId="f282533b-c263-466c-86f9-3d67bd04ab31" providerId="ADAL" clId="{8E07D85A-C682-4A9E-AC09-9DB155C9CDF9}" dt="2024-12-20T20:31:50.189" v="462" actId="478"/>
-          <ac:picMkLst>
-            <pc:docMk/>
-            <pc:sldMk cId="677064844" sldId="269"/>
-            <ac:picMk id="7" creationId="{BC310159-5B42-A2C4-C1C7-73DB74DE080C}"/>
-          </ac:picMkLst>
-        </pc:picChg>
       </pc:sldChg>
     </pc:docChg>
   </pc:docChgLst>
@@ -653,14 +285,6 @@
           <pc:docMk/>
           <pc:sldMk cId="0" sldId="256"/>
         </pc:sldMkLst>
-        <pc:spChg chg="mod">
-          <ac:chgData name="Myers, Chelsea" userId="f282533b-c263-466c-86f9-3d67bd04ab31" providerId="ADAL" clId="{E6D9D206-A90E-4D38-8092-AA685578E662}" dt="2024-07-26T14:46:45.279" v="55" actId="20577"/>
-          <ac:spMkLst>
-            <pc:docMk/>
-            <pc:sldMk cId="0" sldId="256"/>
-            <ac:spMk id="2" creationId="{00000000-0000-0000-0000-000000000000}"/>
-          </ac:spMkLst>
-        </pc:spChg>
       </pc:sldChg>
       <pc:sldChg chg="modSp mod">
         <pc:chgData name="Myers, Chelsea" userId="f282533b-c263-466c-86f9-3d67bd04ab31" providerId="ADAL" clId="{E6D9D206-A90E-4D38-8092-AA685578E662}" dt="2024-07-26T14:46:39.696" v="45" actId="20577"/>
@@ -668,14 +292,6 @@
           <pc:docMk/>
           <pc:sldMk cId="0" sldId="257"/>
         </pc:sldMkLst>
-        <pc:spChg chg="mod">
-          <ac:chgData name="Myers, Chelsea" userId="f282533b-c263-466c-86f9-3d67bd04ab31" providerId="ADAL" clId="{E6D9D206-A90E-4D38-8092-AA685578E662}" dt="2024-07-26T14:46:39.696" v="45" actId="20577"/>
-          <ac:spMkLst>
-            <pc:docMk/>
-            <pc:sldMk cId="0" sldId="257"/>
-            <ac:spMk id="2" creationId="{00000000-0000-0000-0000-000000000000}"/>
-          </ac:spMkLst>
-        </pc:spChg>
       </pc:sldChg>
       <pc:sldChg chg="del">
         <pc:chgData name="Myers, Chelsea" userId="f282533b-c263-466c-86f9-3d67bd04ab31" providerId="ADAL" clId="{E6D9D206-A90E-4D38-8092-AA685578E662}" dt="2024-07-26T14:47:47.116" v="56" actId="47"/>
@@ -690,14 +306,6 @@
           <pc:docMk/>
           <pc:sldMk cId="0" sldId="262"/>
         </pc:sldMkLst>
-        <pc:spChg chg="mod">
-          <ac:chgData name="Myers, Chelsea" userId="f282533b-c263-466c-86f9-3d67bd04ab31" providerId="ADAL" clId="{E6D9D206-A90E-4D38-8092-AA685578E662}" dt="2024-07-26T14:47:53.955" v="57" actId="1076"/>
-          <ac:spMkLst>
-            <pc:docMk/>
-            <pc:sldMk cId="0" sldId="262"/>
-            <ac:spMk id="3" creationId="{00000000-0000-0000-0000-000000000000}"/>
-          </ac:spMkLst>
-        </pc:spChg>
       </pc:sldChg>
     </pc:docChg>
   </pc:docChgLst>
@@ -714,62 +322,6 @@
           <pc:docMk/>
           <pc:sldMk cId="0" sldId="256"/>
         </pc:sldMkLst>
-        <pc:spChg chg="mod">
-          <ac:chgData name="Myers, Chelsea" userId="f282533b-c263-466c-86f9-3d67bd04ab31" providerId="ADAL" clId="{ADE3B3C8-2C64-4C37-B18A-B150882759BF}" dt="2024-06-30T21:34:47.479" v="11" actId="26606"/>
-          <ac:spMkLst>
-            <pc:docMk/>
-            <pc:sldMk cId="0" sldId="256"/>
-            <ac:spMk id="2" creationId="{00000000-0000-0000-0000-000000000000}"/>
-          </ac:spMkLst>
-        </pc:spChg>
-        <pc:spChg chg="mod">
-          <ac:chgData name="Myers, Chelsea" userId="f282533b-c263-466c-86f9-3d67bd04ab31" providerId="ADAL" clId="{ADE3B3C8-2C64-4C37-B18A-B150882759BF}" dt="2024-06-30T21:34:47.479" v="11" actId="26606"/>
-          <ac:spMkLst>
-            <pc:docMk/>
-            <pc:sldMk cId="0" sldId="256"/>
-            <ac:spMk id="3" creationId="{00000000-0000-0000-0000-000000000000}"/>
-          </ac:spMkLst>
-        </pc:spChg>
-        <pc:spChg chg="add">
-          <ac:chgData name="Myers, Chelsea" userId="f282533b-c263-466c-86f9-3d67bd04ab31" providerId="ADAL" clId="{ADE3B3C8-2C64-4C37-B18A-B150882759BF}" dt="2024-06-30T21:34:47.479" v="11" actId="26606"/>
-          <ac:spMkLst>
-            <pc:docMk/>
-            <pc:sldMk cId="0" sldId="256"/>
-            <ac:spMk id="9" creationId="{4D60F200-5EB0-B223-2439-C96C67F0FEE1}"/>
-          </ac:spMkLst>
-        </pc:spChg>
-        <pc:spChg chg="add">
-          <ac:chgData name="Myers, Chelsea" userId="f282533b-c263-466c-86f9-3d67bd04ab31" providerId="ADAL" clId="{ADE3B3C8-2C64-4C37-B18A-B150882759BF}" dt="2024-06-30T21:34:47.479" v="11" actId="26606"/>
-          <ac:spMkLst>
-            <pc:docMk/>
-            <pc:sldMk cId="0" sldId="256"/>
-            <ac:spMk id="11" creationId="{F92CB243-67C5-E304-31A0-4D7D607BAFBA}"/>
-          </ac:spMkLst>
-        </pc:spChg>
-        <pc:spChg chg="add">
-          <ac:chgData name="Myers, Chelsea" userId="f282533b-c263-466c-86f9-3d67bd04ab31" providerId="ADAL" clId="{ADE3B3C8-2C64-4C37-B18A-B150882759BF}" dt="2024-06-30T21:34:47.479" v="11" actId="26606"/>
-          <ac:spMkLst>
-            <pc:docMk/>
-            <pc:sldMk cId="0" sldId="256"/>
-            <ac:spMk id="13" creationId="{11A95761-C93E-94BF-087D-D2A823789EAB}"/>
-          </ac:spMkLst>
-        </pc:spChg>
-        <pc:spChg chg="add">
-          <ac:chgData name="Myers, Chelsea" userId="f282533b-c263-466c-86f9-3d67bd04ab31" providerId="ADAL" clId="{ADE3B3C8-2C64-4C37-B18A-B150882759BF}" dt="2024-06-30T21:34:47.479" v="11" actId="26606"/>
-          <ac:spMkLst>
-            <pc:docMk/>
-            <pc:sldMk cId="0" sldId="256"/>
-            <ac:spMk id="15" creationId="{6E63D1A5-FD49-4756-F62E-786C34E631EF}"/>
-          </ac:spMkLst>
-        </pc:spChg>
-        <pc:picChg chg="add">
-          <ac:chgData name="Myers, Chelsea" userId="f282533b-c263-466c-86f9-3d67bd04ab31" providerId="ADAL" clId="{ADE3B3C8-2C64-4C37-B18A-B150882759BF}" dt="2024-06-30T21:34:47.479" v="11" actId="26606"/>
-          <ac:picMkLst>
-            <pc:docMk/>
-            <pc:sldMk cId="0" sldId="256"/>
-            <ac:picMk id="5" creationId="{4BB5F72F-ED2C-81D8-BD73-94D1055C79FE}"/>
-          </ac:picMkLst>
-        </pc:picChg>
       </pc:sldChg>
       <pc:sldChg chg="addSp delSp modSp mod setBg modNotesTx">
         <pc:chgData name="Myers, Chelsea" userId="f282533b-c263-466c-86f9-3d67bd04ab31" providerId="ADAL" clId="{ADE3B3C8-2C64-4C37-B18A-B150882759BF}" dt="2024-06-30T21:35:56.245" v="33" actId="14100"/>
@@ -777,70 +329,6 @@
           <pc:docMk/>
           <pc:sldMk cId="0" sldId="257"/>
         </pc:sldMkLst>
-        <pc:spChg chg="mod">
-          <ac:chgData name="Myers, Chelsea" userId="f282533b-c263-466c-86f9-3d67bd04ab31" providerId="ADAL" clId="{ADE3B3C8-2C64-4C37-B18A-B150882759BF}" dt="2024-06-30T21:35:42.616" v="30" actId="26606"/>
-          <ac:spMkLst>
-            <pc:docMk/>
-            <pc:sldMk cId="0" sldId="257"/>
-            <ac:spMk id="2" creationId="{00000000-0000-0000-0000-000000000000}"/>
-          </ac:spMkLst>
-        </pc:spChg>
-        <pc:spChg chg="mod">
-          <ac:chgData name="Myers, Chelsea" userId="f282533b-c263-466c-86f9-3d67bd04ab31" providerId="ADAL" clId="{ADE3B3C8-2C64-4C37-B18A-B150882759BF}" dt="2024-06-30T21:35:56.245" v="33" actId="14100"/>
-          <ac:spMkLst>
-            <pc:docMk/>
-            <pc:sldMk cId="0" sldId="257"/>
-            <ac:spMk id="3" creationId="{00000000-0000-0000-0000-000000000000}"/>
-          </ac:spMkLst>
-        </pc:spChg>
-        <pc:spChg chg="add del">
-          <ac:chgData name="Myers, Chelsea" userId="f282533b-c263-466c-86f9-3d67bd04ab31" providerId="ADAL" clId="{ADE3B3C8-2C64-4C37-B18A-B150882759BF}" dt="2024-06-30T21:35:42.616" v="30" actId="26606"/>
-          <ac:spMkLst>
-            <pc:docMk/>
-            <pc:sldMk cId="0" sldId="257"/>
-            <ac:spMk id="9" creationId="{3ECBE1F1-D69B-4AFA-ABD5-8E41720EF6DE}"/>
-          </ac:spMkLst>
-        </pc:spChg>
-        <pc:spChg chg="add del">
-          <ac:chgData name="Myers, Chelsea" userId="f282533b-c263-466c-86f9-3d67bd04ab31" providerId="ADAL" clId="{ADE3B3C8-2C64-4C37-B18A-B150882759BF}" dt="2024-06-30T21:35:42.616" v="30" actId="26606"/>
-          <ac:spMkLst>
-            <pc:docMk/>
-            <pc:sldMk cId="0" sldId="257"/>
-            <ac:spMk id="11" creationId="{603A6265-E10C-4B85-9C20-E75FCAF9CC63}"/>
-          </ac:spMkLst>
-        </pc:spChg>
-        <pc:spChg chg="add">
-          <ac:chgData name="Myers, Chelsea" userId="f282533b-c263-466c-86f9-3d67bd04ab31" providerId="ADAL" clId="{ADE3B3C8-2C64-4C37-B18A-B150882759BF}" dt="2024-06-30T21:35:42.616" v="30" actId="26606"/>
-          <ac:spMkLst>
-            <pc:docMk/>
-            <pc:sldMk cId="0" sldId="257"/>
-            <ac:spMk id="16" creationId="{9F7D5CDA-D291-4307-BF55-1381FED29634}"/>
-          </ac:spMkLst>
-        </pc:spChg>
-        <pc:spChg chg="add">
-          <ac:chgData name="Myers, Chelsea" userId="f282533b-c263-466c-86f9-3d67bd04ab31" providerId="ADAL" clId="{ADE3B3C8-2C64-4C37-B18A-B150882759BF}" dt="2024-06-30T21:35:42.616" v="30" actId="26606"/>
-          <ac:spMkLst>
-            <pc:docMk/>
-            <pc:sldMk cId="0" sldId="257"/>
-            <ac:spMk id="18" creationId="{59B296B9-C5A5-4E4F-9B60-C907B5F1466C}"/>
-          </ac:spMkLst>
-        </pc:spChg>
-        <pc:spChg chg="add">
-          <ac:chgData name="Myers, Chelsea" userId="f282533b-c263-466c-86f9-3d67bd04ab31" providerId="ADAL" clId="{ADE3B3C8-2C64-4C37-B18A-B150882759BF}" dt="2024-06-30T21:35:42.616" v="30" actId="26606"/>
-          <ac:spMkLst>
-            <pc:docMk/>
-            <pc:sldMk cId="0" sldId="257"/>
-            <ac:spMk id="20" creationId="{D0300FD3-5AF1-6305-15FA-9078072672E2}"/>
-          </ac:spMkLst>
-        </pc:spChg>
-        <pc:picChg chg="add mod">
-          <ac:chgData name="Myers, Chelsea" userId="f282533b-c263-466c-86f9-3d67bd04ab31" providerId="ADAL" clId="{ADE3B3C8-2C64-4C37-B18A-B150882759BF}" dt="2024-06-30T21:35:42.616" v="30" actId="26606"/>
-          <ac:picMkLst>
-            <pc:docMk/>
-            <pc:sldMk cId="0" sldId="257"/>
-            <ac:picMk id="5" creationId="{818ABA2D-A8F2-78E8-DFA6-4E9A53C34074}"/>
-          </ac:picMkLst>
-        </pc:picChg>
       </pc:sldChg>
       <pc:sldChg chg="addSp delSp modSp mod setBg modNotesTx">
         <pc:chgData name="Myers, Chelsea" userId="f282533b-c263-466c-86f9-3d67bd04ab31" providerId="ADAL" clId="{ADE3B3C8-2C64-4C37-B18A-B150882759BF}" dt="2024-06-30T21:37:13.884" v="49" actId="1076"/>
@@ -848,62 +336,6 @@
           <pc:docMk/>
           <pc:sldMk cId="0" sldId="258"/>
         </pc:sldMkLst>
-        <pc:spChg chg="mod">
-          <ac:chgData name="Myers, Chelsea" userId="f282533b-c263-466c-86f9-3d67bd04ab31" providerId="ADAL" clId="{ADE3B3C8-2C64-4C37-B18A-B150882759BF}" dt="2024-06-30T21:37:13.884" v="49" actId="1076"/>
-          <ac:spMkLst>
-            <pc:docMk/>
-            <pc:sldMk cId="0" sldId="258"/>
-            <ac:spMk id="2" creationId="{00000000-0000-0000-0000-000000000000}"/>
-          </ac:spMkLst>
-        </pc:spChg>
-        <pc:spChg chg="mod">
-          <ac:chgData name="Myers, Chelsea" userId="f282533b-c263-466c-86f9-3d67bd04ab31" providerId="ADAL" clId="{ADE3B3C8-2C64-4C37-B18A-B150882759BF}" dt="2024-06-30T21:37:08.945" v="48" actId="14100"/>
-          <ac:spMkLst>
-            <pc:docMk/>
-            <pc:sldMk cId="0" sldId="258"/>
-            <ac:spMk id="3" creationId="{00000000-0000-0000-0000-000000000000}"/>
-          </ac:spMkLst>
-        </pc:spChg>
-        <pc:spChg chg="add del">
-          <ac:chgData name="Myers, Chelsea" userId="f282533b-c263-466c-86f9-3d67bd04ab31" providerId="ADAL" clId="{ADE3B3C8-2C64-4C37-B18A-B150882759BF}" dt="2024-06-30T21:36:55.613" v="45" actId="26606"/>
-          <ac:spMkLst>
-            <pc:docMk/>
-            <pc:sldMk cId="0" sldId="258"/>
-            <ac:spMk id="9" creationId="{9F7D5CDA-D291-4307-BF55-1381FED29634}"/>
-          </ac:spMkLst>
-        </pc:spChg>
-        <pc:spChg chg="add del">
-          <ac:chgData name="Myers, Chelsea" userId="f282533b-c263-466c-86f9-3d67bd04ab31" providerId="ADAL" clId="{ADE3B3C8-2C64-4C37-B18A-B150882759BF}" dt="2024-06-30T21:36:55.613" v="45" actId="26606"/>
-          <ac:spMkLst>
-            <pc:docMk/>
-            <pc:sldMk cId="0" sldId="258"/>
-            <ac:spMk id="11" creationId="{59B296B9-C5A5-4E4F-9B60-C907B5F1466C}"/>
-          </ac:spMkLst>
-        </pc:spChg>
-        <pc:spChg chg="add del">
-          <ac:chgData name="Myers, Chelsea" userId="f282533b-c263-466c-86f9-3d67bd04ab31" providerId="ADAL" clId="{ADE3B3C8-2C64-4C37-B18A-B150882759BF}" dt="2024-06-30T21:36:55.613" v="45" actId="26606"/>
-          <ac:spMkLst>
-            <pc:docMk/>
-            <pc:sldMk cId="0" sldId="258"/>
-            <ac:spMk id="13" creationId="{D0300FD3-5AF1-6305-15FA-9078072672E2}"/>
-          </ac:spMkLst>
-        </pc:spChg>
-        <pc:spChg chg="add">
-          <ac:chgData name="Myers, Chelsea" userId="f282533b-c263-466c-86f9-3d67bd04ab31" providerId="ADAL" clId="{ADE3B3C8-2C64-4C37-B18A-B150882759BF}" dt="2024-06-30T21:36:55.613" v="45" actId="26606"/>
-          <ac:spMkLst>
-            <pc:docMk/>
-            <pc:sldMk cId="0" sldId="258"/>
-            <ac:spMk id="18" creationId="{9F7D5CDA-D291-4307-BF55-1381FED29634}"/>
-          </ac:spMkLst>
-        </pc:spChg>
-        <pc:picChg chg="add mod ord">
-          <ac:chgData name="Myers, Chelsea" userId="f282533b-c263-466c-86f9-3d67bd04ab31" providerId="ADAL" clId="{ADE3B3C8-2C64-4C37-B18A-B150882759BF}" dt="2024-06-30T21:36:55.613" v="45" actId="26606"/>
-          <ac:picMkLst>
-            <pc:docMk/>
-            <pc:sldMk cId="0" sldId="258"/>
-            <ac:picMk id="5" creationId="{8B97E9EF-8816-FFB1-A68F-B8EBDDA5947C}"/>
-          </ac:picMkLst>
-        </pc:picChg>
       </pc:sldChg>
       <pc:sldChg chg="addSp modSp mod setBg modNotesTx">
         <pc:chgData name="Myers, Chelsea" userId="f282533b-c263-466c-86f9-3d67bd04ab31" providerId="ADAL" clId="{ADE3B3C8-2C64-4C37-B18A-B150882759BF}" dt="2024-06-30T21:38:22.470" v="66" actId="255"/>
@@ -911,38 +343,6 @@
           <pc:docMk/>
           <pc:sldMk cId="0" sldId="259"/>
         </pc:sldMkLst>
-        <pc:spChg chg="mod">
-          <ac:chgData name="Myers, Chelsea" userId="f282533b-c263-466c-86f9-3d67bd04ab31" providerId="ADAL" clId="{ADE3B3C8-2C64-4C37-B18A-B150882759BF}" dt="2024-06-30T21:37:54.543" v="61" actId="1076"/>
-          <ac:spMkLst>
-            <pc:docMk/>
-            <pc:sldMk cId="0" sldId="259"/>
-            <ac:spMk id="2" creationId="{00000000-0000-0000-0000-000000000000}"/>
-          </ac:spMkLst>
-        </pc:spChg>
-        <pc:spChg chg="mod">
-          <ac:chgData name="Myers, Chelsea" userId="f282533b-c263-466c-86f9-3d67bd04ab31" providerId="ADAL" clId="{ADE3B3C8-2C64-4C37-B18A-B150882759BF}" dt="2024-06-30T21:38:22.470" v="66" actId="255"/>
-          <ac:spMkLst>
-            <pc:docMk/>
-            <pc:sldMk cId="0" sldId="259"/>
-            <ac:spMk id="3" creationId="{00000000-0000-0000-0000-000000000000}"/>
-          </ac:spMkLst>
-        </pc:spChg>
-        <pc:spChg chg="add">
-          <ac:chgData name="Myers, Chelsea" userId="f282533b-c263-466c-86f9-3d67bd04ab31" providerId="ADAL" clId="{ADE3B3C8-2C64-4C37-B18A-B150882759BF}" dt="2024-06-30T21:37:50.036" v="60" actId="26606"/>
-          <ac:spMkLst>
-            <pc:docMk/>
-            <pc:sldMk cId="0" sldId="259"/>
-            <ac:spMk id="9" creationId="{9F7D5CDA-D291-4307-BF55-1381FED29634}"/>
-          </ac:spMkLst>
-        </pc:spChg>
-        <pc:picChg chg="add">
-          <ac:chgData name="Myers, Chelsea" userId="f282533b-c263-466c-86f9-3d67bd04ab31" providerId="ADAL" clId="{ADE3B3C8-2C64-4C37-B18A-B150882759BF}" dt="2024-06-30T21:37:50.036" v="60" actId="26606"/>
-          <ac:picMkLst>
-            <pc:docMk/>
-            <pc:sldMk cId="0" sldId="259"/>
-            <ac:picMk id="5" creationId="{596B3E05-533F-37E9-DCC8-03989411BC01}"/>
-          </ac:picMkLst>
-        </pc:picChg>
       </pc:sldChg>
       <pc:sldChg chg="addSp modSp mod setBg modNotesTx">
         <pc:chgData name="Myers, Chelsea" userId="f282533b-c263-466c-86f9-3d67bd04ab31" providerId="ADAL" clId="{ADE3B3C8-2C64-4C37-B18A-B150882759BF}" dt="2024-06-30T21:39:22.555" v="79" actId="1076"/>
@@ -950,62 +350,6 @@
           <pc:docMk/>
           <pc:sldMk cId="0" sldId="260"/>
         </pc:sldMkLst>
-        <pc:spChg chg="mod">
-          <ac:chgData name="Myers, Chelsea" userId="f282533b-c263-466c-86f9-3d67bd04ab31" providerId="ADAL" clId="{ADE3B3C8-2C64-4C37-B18A-B150882759BF}" dt="2024-06-30T21:39:22.555" v="79" actId="1076"/>
-          <ac:spMkLst>
-            <pc:docMk/>
-            <pc:sldMk cId="0" sldId="260"/>
-            <ac:spMk id="2" creationId="{00000000-0000-0000-0000-000000000000}"/>
-          </ac:spMkLst>
-        </pc:spChg>
-        <pc:spChg chg="mod">
-          <ac:chgData name="Myers, Chelsea" userId="f282533b-c263-466c-86f9-3d67bd04ab31" providerId="ADAL" clId="{ADE3B3C8-2C64-4C37-B18A-B150882759BF}" dt="2024-06-30T21:39:19.571" v="78" actId="14100"/>
-          <ac:spMkLst>
-            <pc:docMk/>
-            <pc:sldMk cId="0" sldId="260"/>
-            <ac:spMk id="3" creationId="{00000000-0000-0000-0000-000000000000}"/>
-          </ac:spMkLst>
-        </pc:spChg>
-        <pc:spChg chg="add">
-          <ac:chgData name="Myers, Chelsea" userId="f282533b-c263-466c-86f9-3d67bd04ab31" providerId="ADAL" clId="{ADE3B3C8-2C64-4C37-B18A-B150882759BF}" dt="2024-06-30T21:39:07.887" v="75" actId="26606"/>
-          <ac:spMkLst>
-            <pc:docMk/>
-            <pc:sldMk cId="0" sldId="260"/>
-            <ac:spMk id="9" creationId="{AE3A741D-C19B-960A-5803-1C5887147820}"/>
-          </ac:spMkLst>
-        </pc:spChg>
-        <pc:spChg chg="add">
-          <ac:chgData name="Myers, Chelsea" userId="f282533b-c263-466c-86f9-3d67bd04ab31" providerId="ADAL" clId="{ADE3B3C8-2C64-4C37-B18A-B150882759BF}" dt="2024-06-30T21:39:07.887" v="75" actId="26606"/>
-          <ac:spMkLst>
-            <pc:docMk/>
-            <pc:sldMk cId="0" sldId="260"/>
-            <ac:spMk id="11" creationId="{9C3A50E9-9119-7BC3-083B-2D84CCC78E47}"/>
-          </ac:spMkLst>
-        </pc:spChg>
-        <pc:spChg chg="add">
-          <ac:chgData name="Myers, Chelsea" userId="f282533b-c263-466c-86f9-3d67bd04ab31" providerId="ADAL" clId="{ADE3B3C8-2C64-4C37-B18A-B150882759BF}" dt="2024-06-30T21:39:07.887" v="75" actId="26606"/>
-          <ac:spMkLst>
-            <pc:docMk/>
-            <pc:sldMk cId="0" sldId="260"/>
-            <ac:spMk id="13" creationId="{DC39DE25-0E4E-0AA7-0932-1D78C2372786}"/>
-          </ac:spMkLst>
-        </pc:spChg>
-        <pc:spChg chg="add">
-          <ac:chgData name="Myers, Chelsea" userId="f282533b-c263-466c-86f9-3d67bd04ab31" providerId="ADAL" clId="{ADE3B3C8-2C64-4C37-B18A-B150882759BF}" dt="2024-06-30T21:39:07.887" v="75" actId="26606"/>
-          <ac:spMkLst>
-            <pc:docMk/>
-            <pc:sldMk cId="0" sldId="260"/>
-            <ac:spMk id="15" creationId="{8D6EA299-0840-6DEA-E670-C49AEBC87E89}"/>
-          </ac:spMkLst>
-        </pc:spChg>
-        <pc:picChg chg="add">
-          <ac:chgData name="Myers, Chelsea" userId="f282533b-c263-466c-86f9-3d67bd04ab31" providerId="ADAL" clId="{ADE3B3C8-2C64-4C37-B18A-B150882759BF}" dt="2024-06-30T21:39:07.887" v="75" actId="26606"/>
-          <ac:picMkLst>
-            <pc:docMk/>
-            <pc:sldMk cId="0" sldId="260"/>
-            <ac:picMk id="5" creationId="{DDAD627A-2250-9CEE-9815-3245C003A152}"/>
-          </ac:picMkLst>
-        </pc:picChg>
       </pc:sldChg>
       <pc:sldChg chg="addSp modSp mod setBg modNotesTx">
         <pc:chgData name="Myers, Chelsea" userId="f282533b-c263-466c-86f9-3d67bd04ab31" providerId="ADAL" clId="{ADE3B3C8-2C64-4C37-B18A-B150882759BF}" dt="2024-06-30T21:41:07.453" v="94" actId="14100"/>
@@ -1013,62 +357,6 @@
           <pc:docMk/>
           <pc:sldMk cId="0" sldId="261"/>
         </pc:sldMkLst>
-        <pc:spChg chg="mod">
-          <ac:chgData name="Myers, Chelsea" userId="f282533b-c263-466c-86f9-3d67bd04ab31" providerId="ADAL" clId="{ADE3B3C8-2C64-4C37-B18A-B150882759BF}" dt="2024-06-30T21:40:53.055" v="90" actId="1076"/>
-          <ac:spMkLst>
-            <pc:docMk/>
-            <pc:sldMk cId="0" sldId="261"/>
-            <ac:spMk id="2" creationId="{00000000-0000-0000-0000-000000000000}"/>
-          </ac:spMkLst>
-        </pc:spChg>
-        <pc:spChg chg="mod">
-          <ac:chgData name="Myers, Chelsea" userId="f282533b-c263-466c-86f9-3d67bd04ab31" providerId="ADAL" clId="{ADE3B3C8-2C64-4C37-B18A-B150882759BF}" dt="2024-06-30T21:41:07.453" v="94" actId="14100"/>
-          <ac:spMkLst>
-            <pc:docMk/>
-            <pc:sldMk cId="0" sldId="261"/>
-            <ac:spMk id="3" creationId="{00000000-0000-0000-0000-000000000000}"/>
-          </ac:spMkLst>
-        </pc:spChg>
-        <pc:spChg chg="add">
-          <ac:chgData name="Myers, Chelsea" userId="f282533b-c263-466c-86f9-3d67bd04ab31" providerId="ADAL" clId="{ADE3B3C8-2C64-4C37-B18A-B150882759BF}" dt="2024-06-30T21:40:49.008" v="89" actId="26606"/>
-          <ac:spMkLst>
-            <pc:docMk/>
-            <pc:sldMk cId="0" sldId="261"/>
-            <ac:spMk id="9" creationId="{AE3A741D-C19B-960A-5803-1C5887147820}"/>
-          </ac:spMkLst>
-        </pc:spChg>
-        <pc:spChg chg="add">
-          <ac:chgData name="Myers, Chelsea" userId="f282533b-c263-466c-86f9-3d67bd04ab31" providerId="ADAL" clId="{ADE3B3C8-2C64-4C37-B18A-B150882759BF}" dt="2024-06-30T21:40:49.008" v="89" actId="26606"/>
-          <ac:spMkLst>
-            <pc:docMk/>
-            <pc:sldMk cId="0" sldId="261"/>
-            <ac:spMk id="11" creationId="{9C3A50E9-9119-7BC3-083B-2D84CCC78E47}"/>
-          </ac:spMkLst>
-        </pc:spChg>
-        <pc:spChg chg="add">
-          <ac:chgData name="Myers, Chelsea" userId="f282533b-c263-466c-86f9-3d67bd04ab31" providerId="ADAL" clId="{ADE3B3C8-2C64-4C37-B18A-B150882759BF}" dt="2024-06-30T21:40:49.008" v="89" actId="26606"/>
-          <ac:spMkLst>
-            <pc:docMk/>
-            <pc:sldMk cId="0" sldId="261"/>
-            <ac:spMk id="13" creationId="{DC39DE25-0E4E-0AA7-0932-1D78C2372786}"/>
-          </ac:spMkLst>
-        </pc:spChg>
-        <pc:spChg chg="add">
-          <ac:chgData name="Myers, Chelsea" userId="f282533b-c263-466c-86f9-3d67bd04ab31" providerId="ADAL" clId="{ADE3B3C8-2C64-4C37-B18A-B150882759BF}" dt="2024-06-30T21:40:49.008" v="89" actId="26606"/>
-          <ac:spMkLst>
-            <pc:docMk/>
-            <pc:sldMk cId="0" sldId="261"/>
-            <ac:spMk id="15" creationId="{8D6EA299-0840-6DEA-E670-C49AEBC87E89}"/>
-          </ac:spMkLst>
-        </pc:spChg>
-        <pc:picChg chg="add">
-          <ac:chgData name="Myers, Chelsea" userId="f282533b-c263-466c-86f9-3d67bd04ab31" providerId="ADAL" clId="{ADE3B3C8-2C64-4C37-B18A-B150882759BF}" dt="2024-06-30T21:40:49.008" v="89" actId="26606"/>
-          <ac:picMkLst>
-            <pc:docMk/>
-            <pc:sldMk cId="0" sldId="261"/>
-            <ac:picMk id="5" creationId="{CAE7A407-0888-56F9-81CB-D40238F211B8}"/>
-          </ac:picMkLst>
-        </pc:picChg>
       </pc:sldChg>
       <pc:sldChg chg="addSp delSp modSp mod setBg modNotesTx">
         <pc:chgData name="Myers, Chelsea" userId="f282533b-c263-466c-86f9-3d67bd04ab31" providerId="ADAL" clId="{ADE3B3C8-2C64-4C37-B18A-B150882759BF}" dt="2024-06-30T21:42:23.635" v="111" actId="1076"/>
@@ -1076,86 +364,6 @@
           <pc:docMk/>
           <pc:sldMk cId="0" sldId="262"/>
         </pc:sldMkLst>
-        <pc:spChg chg="mod">
-          <ac:chgData name="Myers, Chelsea" userId="f282533b-c263-466c-86f9-3d67bd04ab31" providerId="ADAL" clId="{ADE3B3C8-2C64-4C37-B18A-B150882759BF}" dt="2024-06-30T21:42:23.635" v="111" actId="1076"/>
-          <ac:spMkLst>
-            <pc:docMk/>
-            <pc:sldMk cId="0" sldId="262"/>
-            <ac:spMk id="2" creationId="{00000000-0000-0000-0000-000000000000}"/>
-          </ac:spMkLst>
-        </pc:spChg>
-        <pc:spChg chg="mod">
-          <ac:chgData name="Myers, Chelsea" userId="f282533b-c263-466c-86f9-3d67bd04ab31" providerId="ADAL" clId="{ADE3B3C8-2C64-4C37-B18A-B150882759BF}" dt="2024-06-30T21:42:19.621" v="110" actId="1076"/>
-          <ac:spMkLst>
-            <pc:docMk/>
-            <pc:sldMk cId="0" sldId="262"/>
-            <ac:spMk id="3" creationId="{00000000-0000-0000-0000-000000000000}"/>
-          </ac:spMkLst>
-        </pc:spChg>
-        <pc:spChg chg="add del">
-          <ac:chgData name="Myers, Chelsea" userId="f282533b-c263-466c-86f9-3d67bd04ab31" providerId="ADAL" clId="{ADE3B3C8-2C64-4C37-B18A-B150882759BF}" dt="2024-06-30T21:42:01.711" v="105" actId="26606"/>
-          <ac:spMkLst>
-            <pc:docMk/>
-            <pc:sldMk cId="0" sldId="262"/>
-            <ac:spMk id="9" creationId="{9F7D5CDA-D291-4307-BF55-1381FED29634}"/>
-          </ac:spMkLst>
-        </pc:spChg>
-        <pc:spChg chg="add del">
-          <ac:chgData name="Myers, Chelsea" userId="f282533b-c263-466c-86f9-3d67bd04ab31" providerId="ADAL" clId="{ADE3B3C8-2C64-4C37-B18A-B150882759BF}" dt="2024-06-30T21:42:01.711" v="105" actId="26606"/>
-          <ac:spMkLst>
-            <pc:docMk/>
-            <pc:sldMk cId="0" sldId="262"/>
-            <ac:spMk id="11" creationId="{59B296B9-C5A5-4E4F-9B60-C907B5F1466C}"/>
-          </ac:spMkLst>
-        </pc:spChg>
-        <pc:spChg chg="add del">
-          <ac:chgData name="Myers, Chelsea" userId="f282533b-c263-466c-86f9-3d67bd04ab31" providerId="ADAL" clId="{ADE3B3C8-2C64-4C37-B18A-B150882759BF}" dt="2024-06-30T21:42:01.711" v="105" actId="26606"/>
-          <ac:spMkLst>
-            <pc:docMk/>
-            <pc:sldMk cId="0" sldId="262"/>
-            <ac:spMk id="13" creationId="{D0300FD3-5AF1-6305-15FA-9078072672E2}"/>
-          </ac:spMkLst>
-        </pc:spChg>
-        <pc:spChg chg="add">
-          <ac:chgData name="Myers, Chelsea" userId="f282533b-c263-466c-86f9-3d67bd04ab31" providerId="ADAL" clId="{ADE3B3C8-2C64-4C37-B18A-B150882759BF}" dt="2024-06-30T21:42:01.711" v="105" actId="26606"/>
-          <ac:spMkLst>
-            <pc:docMk/>
-            <pc:sldMk cId="0" sldId="262"/>
-            <ac:spMk id="18" creationId="{AE3A741D-C19B-960A-5803-1C5887147820}"/>
-          </ac:spMkLst>
-        </pc:spChg>
-        <pc:spChg chg="add">
-          <ac:chgData name="Myers, Chelsea" userId="f282533b-c263-466c-86f9-3d67bd04ab31" providerId="ADAL" clId="{ADE3B3C8-2C64-4C37-B18A-B150882759BF}" dt="2024-06-30T21:42:01.711" v="105" actId="26606"/>
-          <ac:spMkLst>
-            <pc:docMk/>
-            <pc:sldMk cId="0" sldId="262"/>
-            <ac:spMk id="20" creationId="{9C3A50E9-9119-7BC3-083B-2D84CCC78E47}"/>
-          </ac:spMkLst>
-        </pc:spChg>
-        <pc:spChg chg="add">
-          <ac:chgData name="Myers, Chelsea" userId="f282533b-c263-466c-86f9-3d67bd04ab31" providerId="ADAL" clId="{ADE3B3C8-2C64-4C37-B18A-B150882759BF}" dt="2024-06-30T21:42:01.711" v="105" actId="26606"/>
-          <ac:spMkLst>
-            <pc:docMk/>
-            <pc:sldMk cId="0" sldId="262"/>
-            <ac:spMk id="22" creationId="{DC39DE25-0E4E-0AA7-0932-1D78C2372786}"/>
-          </ac:spMkLst>
-        </pc:spChg>
-        <pc:spChg chg="add">
-          <ac:chgData name="Myers, Chelsea" userId="f282533b-c263-466c-86f9-3d67bd04ab31" providerId="ADAL" clId="{ADE3B3C8-2C64-4C37-B18A-B150882759BF}" dt="2024-06-30T21:42:01.711" v="105" actId="26606"/>
-          <ac:spMkLst>
-            <pc:docMk/>
-            <pc:sldMk cId="0" sldId="262"/>
-            <ac:spMk id="24" creationId="{8D6EA299-0840-6DEA-E670-C49AEBC87E89}"/>
-          </ac:spMkLst>
-        </pc:spChg>
-        <pc:picChg chg="add mod ord">
-          <ac:chgData name="Myers, Chelsea" userId="f282533b-c263-466c-86f9-3d67bd04ab31" providerId="ADAL" clId="{ADE3B3C8-2C64-4C37-B18A-B150882759BF}" dt="2024-06-30T21:42:01.711" v="105" actId="26606"/>
-          <ac:picMkLst>
-            <pc:docMk/>
-            <pc:sldMk cId="0" sldId="262"/>
-            <ac:picMk id="5" creationId="{E6230E47-1CCB-0059-F715-63ED2CDAA9A1}"/>
-          </ac:picMkLst>
-        </pc:picChg>
       </pc:sldChg>
       <pc:sldChg chg="addSp modSp mod setBg modNotesTx">
         <pc:chgData name="Myers, Chelsea" userId="f282533b-c263-466c-86f9-3d67bd04ab31" providerId="ADAL" clId="{ADE3B3C8-2C64-4C37-B18A-B150882759BF}" dt="2024-06-30T21:43:33.180" v="142" actId="1076"/>
@@ -1163,38 +371,6 @@
           <pc:docMk/>
           <pc:sldMk cId="0" sldId="263"/>
         </pc:sldMkLst>
-        <pc:spChg chg="mod">
-          <ac:chgData name="Myers, Chelsea" userId="f282533b-c263-466c-86f9-3d67bd04ab31" providerId="ADAL" clId="{ADE3B3C8-2C64-4C37-B18A-B150882759BF}" dt="2024-06-30T21:43:05.628" v="136" actId="1076"/>
-          <ac:spMkLst>
-            <pc:docMk/>
-            <pc:sldMk cId="0" sldId="263"/>
-            <ac:spMk id="2" creationId="{00000000-0000-0000-0000-000000000000}"/>
-          </ac:spMkLst>
-        </pc:spChg>
-        <pc:spChg chg="mod">
-          <ac:chgData name="Myers, Chelsea" userId="f282533b-c263-466c-86f9-3d67bd04ab31" providerId="ADAL" clId="{ADE3B3C8-2C64-4C37-B18A-B150882759BF}" dt="2024-06-30T21:43:33.180" v="142" actId="1076"/>
-          <ac:spMkLst>
-            <pc:docMk/>
-            <pc:sldMk cId="0" sldId="263"/>
-            <ac:spMk id="3" creationId="{00000000-0000-0000-0000-000000000000}"/>
-          </ac:spMkLst>
-        </pc:spChg>
-        <pc:grpChg chg="add">
-          <ac:chgData name="Myers, Chelsea" userId="f282533b-c263-466c-86f9-3d67bd04ab31" providerId="ADAL" clId="{ADE3B3C8-2C64-4C37-B18A-B150882759BF}" dt="2024-06-30T21:42:35.871" v="112" actId="26606"/>
-          <ac:grpSpMkLst>
-            <pc:docMk/>
-            <pc:sldMk cId="0" sldId="263"/>
-            <ac:grpSpMk id="9" creationId="{8CE57D37-C2D0-066B-1AE3-6F4244344F27}"/>
-          </ac:grpSpMkLst>
-        </pc:grpChg>
-        <pc:picChg chg="add">
-          <ac:chgData name="Myers, Chelsea" userId="f282533b-c263-466c-86f9-3d67bd04ab31" providerId="ADAL" clId="{ADE3B3C8-2C64-4C37-B18A-B150882759BF}" dt="2024-06-30T21:42:35.871" v="112" actId="26606"/>
-          <ac:picMkLst>
-            <pc:docMk/>
-            <pc:sldMk cId="0" sldId="263"/>
-            <ac:picMk id="5" creationId="{E8C90DFC-D110-13A1-A81B-2EDB8FA06C1F}"/>
-          </ac:picMkLst>
-        </pc:picChg>
       </pc:sldChg>
       <pc:sldChg chg="del">
         <pc:chgData name="Myers, Chelsea" userId="f282533b-c263-466c-86f9-3d67bd04ab31" providerId="ADAL" clId="{ADE3B3C8-2C64-4C37-B18A-B150882759BF}" dt="2024-06-30T21:34:34.533" v="10" actId="47"/>
@@ -1297,7 +473,7 @@
           <a:p>
             <a:fld id="{5B8FABF0-2D3B-4C2A-B931-FC211D7CD9E5}" type="datetimeFigureOut">
               <a:rPr lang="en-US" smtClean="0"/>
-              <a:t>12/20/2024</a:t>
+              <a:t>5/31/2025</a:t>
             </a:fld>
             <a:endParaRPr lang="en-US"/>
           </a:p>
@@ -3233,7 +2409,7 @@
           <a:p>
             <a:fld id="{5BCAD085-E8A6-8845-BD4E-CB4CCA059FC4}" type="datetimeFigureOut">
               <a:rPr lang="en-US" smtClean="0"/>
-              <a:t>12/20/2024</a:t>
+              <a:t>5/31/2025</a:t>
             </a:fld>
             <a:endParaRPr lang="en-US"/>
           </a:p>
@@ -3401,7 +2577,7 @@
           <a:p>
             <a:fld id="{5BCAD085-E8A6-8845-BD4E-CB4CCA059FC4}" type="datetimeFigureOut">
               <a:rPr lang="en-US" smtClean="0"/>
-              <a:t>12/20/2024</a:t>
+              <a:t>5/31/2025</a:t>
             </a:fld>
             <a:endParaRPr lang="en-US"/>
           </a:p>
@@ -3579,7 +2755,7 @@
           <a:p>
             <a:fld id="{5BCAD085-E8A6-8845-BD4E-CB4CCA059FC4}" type="datetimeFigureOut">
               <a:rPr lang="en-US" smtClean="0"/>
-              <a:t>12/20/2024</a:t>
+              <a:t>5/31/2025</a:t>
             </a:fld>
             <a:endParaRPr lang="en-US"/>
           </a:p>
@@ -3747,7 +2923,7 @@
           <a:p>
             <a:fld id="{5BCAD085-E8A6-8845-BD4E-CB4CCA059FC4}" type="datetimeFigureOut">
               <a:rPr lang="en-US" smtClean="0"/>
-              <a:t>12/20/2024</a:t>
+              <a:t>5/31/2025</a:t>
             </a:fld>
             <a:endParaRPr lang="en-US"/>
           </a:p>
@@ -3992,7 +3168,7 @@
           <a:p>
             <a:fld id="{5BCAD085-E8A6-8845-BD4E-CB4CCA059FC4}" type="datetimeFigureOut">
               <a:rPr lang="en-US" smtClean="0"/>
-              <a:t>12/20/2024</a:t>
+              <a:t>5/31/2025</a:t>
             </a:fld>
             <a:endParaRPr lang="en-US"/>
           </a:p>
@@ -4277,7 +3453,7 @@
           <a:p>
             <a:fld id="{5BCAD085-E8A6-8845-BD4E-CB4CCA059FC4}" type="datetimeFigureOut">
               <a:rPr lang="en-US" smtClean="0"/>
-              <a:t>12/20/2024</a:t>
+              <a:t>5/31/2025</a:t>
             </a:fld>
             <a:endParaRPr lang="en-US"/>
           </a:p>
@@ -4696,7 +3872,7 @@
           <a:p>
             <a:fld id="{5BCAD085-E8A6-8845-BD4E-CB4CCA059FC4}" type="datetimeFigureOut">
               <a:rPr lang="en-US" smtClean="0"/>
-              <a:t>12/20/2024</a:t>
+              <a:t>5/31/2025</a:t>
             </a:fld>
             <a:endParaRPr lang="en-US"/>
           </a:p>
@@ -4813,7 +3989,7 @@
           <a:p>
             <a:fld id="{5BCAD085-E8A6-8845-BD4E-CB4CCA059FC4}" type="datetimeFigureOut">
               <a:rPr lang="en-US" smtClean="0"/>
-              <a:t>12/20/2024</a:t>
+              <a:t>5/31/2025</a:t>
             </a:fld>
             <a:endParaRPr lang="en-US"/>
           </a:p>
@@ -4908,7 +4084,7 @@
           <a:p>
             <a:fld id="{5BCAD085-E8A6-8845-BD4E-CB4CCA059FC4}" type="datetimeFigureOut">
               <a:rPr lang="en-US" smtClean="0"/>
-              <a:t>12/20/2024</a:t>
+              <a:t>5/31/2025</a:t>
             </a:fld>
             <a:endParaRPr lang="en-US"/>
           </a:p>
@@ -5183,7 +4359,7 @@
           <a:p>
             <a:fld id="{5BCAD085-E8A6-8845-BD4E-CB4CCA059FC4}" type="datetimeFigureOut">
               <a:rPr lang="en-US" smtClean="0"/>
-              <a:t>12/20/2024</a:t>
+              <a:t>5/31/2025</a:t>
             </a:fld>
             <a:endParaRPr lang="en-US"/>
           </a:p>
@@ -5435,7 +4611,7 @@
           <a:p>
             <a:fld id="{5BCAD085-E8A6-8845-BD4E-CB4CCA059FC4}" type="datetimeFigureOut">
               <a:rPr lang="en-US" smtClean="0"/>
-              <a:t>12/20/2024</a:t>
+              <a:t>5/31/2025</a:t>
             </a:fld>
             <a:endParaRPr lang="en-US"/>
           </a:p>
@@ -5646,7 +4822,7 @@
           <a:p>
             <a:fld id="{5BCAD085-E8A6-8845-BD4E-CB4CCA059FC4}" type="datetimeFigureOut">
               <a:rPr lang="en-US" smtClean="0"/>
-              <a:t>12/20/2024</a:t>
+              <a:t>5/31/2025</a:t>
             </a:fld>
             <a:endParaRPr lang="en-US"/>
           </a:p>
@@ -6347,14 +5523,11 @@
           <a:lstStyle/>
           <a:p>
             <a:pPr algn="l"/>
-            <a:r>
-              <a:rPr lang="en-US" sz="1700">
-                <a:solidFill>
-                  <a:srgbClr val="FFFFFF"/>
-                </a:solidFill>
-              </a:rPr>
-              <a:t>The Artificial Intelligence Ecosystem</a:t>
-            </a:r>
+            <a:endParaRPr lang="en-US" sz="1700" dirty="0">
+              <a:solidFill>
+                <a:srgbClr val="FFFFFF"/>
+              </a:solidFill>
+            </a:endParaRPr>
           </a:p>
         </p:txBody>
       </p:sp>
@@ -6501,10 +5674,15 @@
                                 </p:cTn>
                               </p:par>
                               <p:par>
-                                <p:cTn id="8" presetID="10" presetClass="entr" presetSubtype="0" fill="hold" grpId="0" nodeType="withEffect">
+                                <p:cTn id="8" presetID="10" presetClass="entr" presetSubtype="0" fill="hold" grpId="0" nodeType="withEffect" nodePh="1">
                                   <p:stCondLst>
                                     <p:cond delay="1500"/>
                                   </p:stCondLst>
+                                  <p:endCondLst>
+                                    <p:cond evt="begin" delay="0">
+                                      <p:tn val="8"/>
+                                    </p:cond>
+                                  </p:endCondLst>
                                   <p:iterate>
                                     <p:tmPct val="10000"/>
                                   </p:iterate>
